--- a/01_/打合せモデリング.pptx
+++ b/01_/打合せモデリング.pptx
@@ -5,16 +5,15 @@
     <p:sldMasterId id="2147483660" r:id="rId1"/>
   </p:sldMasterIdLst>
   <p:notesMasterIdLst>
-    <p:notesMasterId r:id="rId9"/>
+    <p:notesMasterId r:id="rId8"/>
   </p:notesMasterIdLst>
   <p:sldIdLst>
-    <p:sldId id="257" r:id="rId2"/>
-    <p:sldId id="258" r:id="rId3"/>
-    <p:sldId id="259" r:id="rId4"/>
-    <p:sldId id="260" r:id="rId5"/>
-    <p:sldId id="261" r:id="rId6"/>
-    <p:sldId id="262" r:id="rId7"/>
-    <p:sldId id="263" r:id="rId8"/>
+    <p:sldId id="258" r:id="rId2"/>
+    <p:sldId id="259" r:id="rId3"/>
+    <p:sldId id="260" r:id="rId4"/>
+    <p:sldId id="261" r:id="rId5"/>
+    <p:sldId id="262" r:id="rId6"/>
+    <p:sldId id="263" r:id="rId7"/>
   </p:sldIdLst>
   <p:sldSz cx="12192000" cy="6858000"/>
   <p:notesSz cx="6858000" cy="9144000"/>
@@ -203,7 +202,7 @@
           <a:p>
             <a:fld id="{02110400-0717-4EFD-8B48-A420AEE0252E}" type="datetimeFigureOut">
               <a:rPr kumimoji="1" lang="ja-JP" altLang="en-US" smtClean="0"/>
-              <a:t>2021/8/21</a:t>
+              <a:t>2021/8/25</a:t>
             </a:fld>
             <a:endParaRPr kumimoji="1" lang="ja-JP" altLang="en-US"/>
           </a:p>
@@ -3140,12 +3139,12 @@
       </p:grpSpPr>
       <p:sp>
         <p:nvSpPr>
-          <p:cNvPr id="2" name="タイトル 1"/>
+          <p:cNvPr id="4" name="タイトル 3"/>
           <p:cNvSpPr>
             <a:spLocks noGrp="1"/>
           </p:cNvSpPr>
           <p:nvPr>
-            <p:ph type="title"/>
+            <p:ph type="ctrTitle"/>
           </p:nvPr>
         </p:nvSpPr>
         <p:spPr/>
@@ -3154,1082 +3153,61 @@
           <a:lstStyle/>
           <a:p>
             <a:r>
-              <a:rPr kumimoji="1" lang="en-US" altLang="ja-JP" dirty="0" smtClean="0">
-                <a:latin typeface="Meiryo UI" panose="020B0604030504040204" pitchFamily="50" charset="-128"/>
-                <a:ea typeface="Meiryo UI" panose="020B0604030504040204" pitchFamily="50" charset="-128"/>
-              </a:rPr>
-              <a:t>PM</a:t>
-            </a:r>
-            <a:r>
-              <a:rPr kumimoji="1" lang="ja-JP" altLang="en-US" dirty="0" smtClean="0">
-                <a:latin typeface="Meiryo UI" panose="020B0604030504040204" pitchFamily="50" charset="-128"/>
-                <a:ea typeface="Meiryo UI" panose="020B0604030504040204" pitchFamily="50" charset="-128"/>
-              </a:rPr>
-              <a:t>理論</a:t>
-            </a:r>
-            <a:endParaRPr kumimoji="1" lang="ja-JP" altLang="en-US" dirty="0">
-              <a:latin typeface="Meiryo UI" panose="020B0604030504040204" pitchFamily="50" charset="-128"/>
-              <a:ea typeface="Meiryo UI" panose="020B0604030504040204" pitchFamily="50" charset="-128"/>
-            </a:endParaRPr>
-          </a:p>
-        </p:txBody>
-      </p:sp>
-      <p:sp>
-        <p:nvSpPr>
-          <p:cNvPr id="3" name="コンテンツ プレースホルダー 2"/>
+              <a:rPr lang="ja-JP" altLang="en-US" dirty="0" smtClean="0"/>
+              <a:t>モデリングカフェ第１回　例題</a:t>
+            </a:r>
+            <a:r>
+              <a:rPr lang="en-US" altLang="ja-JP" dirty="0" smtClean="0"/>
+              <a:t/>
+            </a:r>
+            <a:br>
+              <a:rPr lang="en-US" altLang="ja-JP" dirty="0" smtClean="0"/>
+            </a:br>
+            <a:r>
+              <a:rPr lang="ja-JP" altLang="en-US" dirty="0" smtClean="0"/>
+              <a:t>「打合せ」を</a:t>
+            </a:r>
+            <a:r>
+              <a:rPr lang="ja-JP" altLang="en-US" dirty="0"/>
+              <a:t>モデリング</a:t>
+            </a:r>
+            <a:r>
+              <a:rPr lang="ja-JP" altLang="en-US" dirty="0" smtClean="0"/>
+              <a:t>する</a:t>
+            </a:r>
+            <a:endParaRPr kumimoji="1" lang="ja-JP" altLang="en-US" dirty="0"/>
+          </a:p>
+        </p:txBody>
+      </p:sp>
+      <p:sp>
+        <p:nvSpPr>
+          <p:cNvPr id="5" name="サブタイトル 4"/>
           <p:cNvSpPr>
             <a:spLocks noGrp="1"/>
           </p:cNvSpPr>
           <p:nvPr>
-            <p:ph idx="1"/>
+            <p:ph type="subTitle" idx="1"/>
           </p:nvPr>
         </p:nvSpPr>
-        <p:spPr>
-          <a:xfrm>
-            <a:off x="327171" y="959502"/>
-            <a:ext cx="11576807" cy="1355860"/>
-          </a:xfrm>
-        </p:spPr>
-        <p:txBody>
-          <a:bodyPr>
-            <a:normAutofit fontScale="92500"/>
-          </a:bodyPr>
+        <p:spPr/>
+        <p:txBody>
+          <a:bodyPr/>
           <a:lstStyle/>
           <a:p>
-            <a:pPr marL="0" indent="0">
-              <a:buNone/>
-            </a:pPr>
-            <a:r>
-              <a:rPr lang="ja-JP" altLang="en-US" sz="2000" dirty="0"/>
-              <a:t>日本の社会心理</a:t>
-            </a:r>
-            <a:r>
-              <a:rPr lang="ja-JP" altLang="en-US" sz="2000" dirty="0" smtClean="0"/>
-              <a:t>学者 三隅二不二が</a:t>
-            </a:r>
-            <a:r>
-              <a:rPr lang="en-US" altLang="ja-JP" sz="2000" dirty="0">
-                <a:latin typeface="Meiryo UI" panose="020B0604030504040204" pitchFamily="50" charset="-128"/>
-                <a:ea typeface="Meiryo UI" panose="020B0604030504040204" pitchFamily="50" charset="-128"/>
-              </a:rPr>
-              <a:t>1966</a:t>
-            </a:r>
-            <a:r>
-              <a:rPr lang="ja-JP" altLang="en-US" sz="2000" dirty="0"/>
-              <a:t>年に提唱</a:t>
-            </a:r>
-            <a:r>
-              <a:rPr lang="ja-JP" altLang="en-US" sz="2000" dirty="0" smtClean="0"/>
-              <a:t>したリーダーシップ行動論。</a:t>
-            </a:r>
-            <a:r>
-              <a:rPr lang="en-US" altLang="ja-JP" sz="2000" dirty="0" smtClean="0"/>
-              <a:t/>
-            </a:r>
-            <a:br>
-              <a:rPr lang="en-US" altLang="ja-JP" sz="2000" dirty="0" smtClean="0"/>
-            </a:br>
-            <a:r>
-              <a:rPr lang="en-US" altLang="ja-JP" sz="2000" dirty="0" smtClean="0"/>
-              <a:t>P,M</a:t>
-            </a:r>
-            <a:r>
-              <a:rPr lang="ja-JP" altLang="en-US" sz="2000" dirty="0" smtClean="0"/>
-              <a:t>の</a:t>
-            </a:r>
-            <a:r>
-              <a:rPr lang="en-US" altLang="ja-JP" sz="2000" dirty="0" smtClean="0"/>
-              <a:t>2</a:t>
-            </a:r>
-            <a:r>
-              <a:rPr lang="ja-JP" altLang="en-US" sz="2000" dirty="0" err="1" smtClean="0"/>
-              <a:t>つの</a:t>
-            </a:r>
-            <a:r>
-              <a:rPr lang="ja-JP" altLang="en-US" sz="2000" dirty="0" smtClean="0"/>
-              <a:t>能力バランスによって、リーダーシップの方向性が決まる。</a:t>
-            </a:r>
-            <a:endParaRPr lang="en-US" altLang="ja-JP" sz="2000" dirty="0" smtClean="0"/>
-          </a:p>
-          <a:p>
-            <a:pPr marL="0" indent="0">
-              <a:buNone/>
-            </a:pPr>
-            <a:r>
-              <a:rPr lang="en-US" altLang="ja-JP" sz="2000" dirty="0"/>
-              <a:t>P:Performance</a:t>
-            </a:r>
-            <a:r>
-              <a:rPr lang="ja-JP" altLang="en-US" sz="2000" dirty="0"/>
-              <a:t>（目的達成能力</a:t>
-            </a:r>
-            <a:r>
-              <a:rPr lang="ja-JP" altLang="en-US" sz="2000" dirty="0" smtClean="0"/>
-              <a:t>） </a:t>
-            </a:r>
-            <a:r>
-              <a:rPr lang="en-US" altLang="ja-JP" sz="2000" dirty="0" smtClean="0"/>
-              <a:t>… </a:t>
-            </a:r>
-            <a:r>
-              <a:rPr lang="ja-JP" altLang="en-US" sz="2000" dirty="0" smtClean="0"/>
-              <a:t>目標設定、指示、叱咤などにより成績、生産性を高める能力</a:t>
-            </a:r>
-            <a:r>
-              <a:rPr lang="en-US" altLang="ja-JP" sz="2000" dirty="0"/>
-              <a:t/>
-            </a:r>
-            <a:br>
-              <a:rPr lang="en-US" altLang="ja-JP" sz="2000" dirty="0"/>
-            </a:br>
-            <a:r>
-              <a:rPr lang="en-US" altLang="ja-JP" sz="2000" dirty="0" smtClean="0"/>
-              <a:t>M:Maintenance</a:t>
-            </a:r>
-            <a:r>
-              <a:rPr lang="ja-JP" altLang="en-US" sz="2000" dirty="0"/>
-              <a:t>（集団維持能力</a:t>
-            </a:r>
-            <a:r>
-              <a:rPr lang="ja-JP" altLang="en-US" sz="2000" dirty="0" smtClean="0"/>
-              <a:t>） </a:t>
-            </a:r>
-            <a:r>
-              <a:rPr lang="en-US" altLang="ja-JP" sz="2000" dirty="0" smtClean="0"/>
-              <a:t>… </a:t>
-            </a:r>
-            <a:r>
-              <a:rPr lang="ja-JP" altLang="en-US" sz="2000" dirty="0" smtClean="0"/>
-              <a:t>集団の人間関係を良好に保ち、チームワークを強化維持する能力</a:t>
-            </a:r>
-            <a:endParaRPr lang="en-US" altLang="ja-JP" sz="2000" dirty="0" smtClean="0"/>
-          </a:p>
-        </p:txBody>
-      </p:sp>
-      <p:sp>
-        <p:nvSpPr>
-          <p:cNvPr id="4" name="正方形/長方形 3"/>
-          <p:cNvSpPr/>
-          <p:nvPr/>
-        </p:nvSpPr>
-        <p:spPr>
-          <a:xfrm>
-            <a:off x="8305100" y="5587069"/>
-            <a:ext cx="3598877" cy="751113"/>
-          </a:xfrm>
-          <a:prstGeom prst="rect">
-            <a:avLst/>
-          </a:prstGeom>
-          <a:solidFill>
-            <a:schemeClr val="accent6">
-              <a:lumMod val="40000"/>
-              <a:lumOff val="60000"/>
-            </a:schemeClr>
-          </a:solidFill>
-          <a:ln>
-            <a:solidFill>
-              <a:schemeClr val="bg1"/>
-            </a:solidFill>
-          </a:ln>
-        </p:spPr>
-        <p:style>
-          <a:lnRef idx="2">
-            <a:schemeClr val="accent1">
-              <a:shade val="50000"/>
-            </a:schemeClr>
-          </a:lnRef>
-          <a:fillRef idx="1">
-            <a:schemeClr val="accent1"/>
-          </a:fillRef>
-          <a:effectRef idx="0">
-            <a:schemeClr val="accent1"/>
-          </a:effectRef>
-          <a:fontRef idx="minor">
-            <a:schemeClr val="lt1"/>
-          </a:fontRef>
-        </p:style>
-        <p:txBody>
-          <a:bodyPr rtlCol="0" anchor="ctr"/>
-          <a:lstStyle/>
-          <a:p>
-            <a:r>
-              <a:rPr lang="ja-JP" altLang="en-US" sz="1200" dirty="0" smtClean="0">
-                <a:solidFill>
-                  <a:schemeClr val="tx1"/>
-                </a:solidFill>
-                <a:latin typeface="Meiryo UI" panose="020B0604030504040204" pitchFamily="50" charset="-128"/>
-                <a:ea typeface="Meiryo UI" panose="020B0604030504040204" pitchFamily="50" charset="-128"/>
-              </a:rPr>
-              <a:t>（参考</a:t>
-            </a:r>
-            <a:r>
-              <a:rPr lang="en-US" altLang="ja-JP" sz="1200" dirty="0" smtClean="0">
-                <a:solidFill>
-                  <a:schemeClr val="tx1"/>
-                </a:solidFill>
-                <a:latin typeface="Meiryo UI" panose="020B0604030504040204" pitchFamily="50" charset="-128"/>
-                <a:ea typeface="Meiryo UI" panose="020B0604030504040204" pitchFamily="50" charset="-128"/>
-              </a:rPr>
-              <a:t>)</a:t>
-            </a:r>
-            <a:r>
-              <a:rPr lang="ja-JP" altLang="en-US" sz="1200" dirty="0" smtClean="0">
-                <a:solidFill>
-                  <a:schemeClr val="tx1"/>
-                </a:solidFill>
-                <a:latin typeface="Meiryo UI" panose="020B0604030504040204" pitchFamily="50" charset="-128"/>
-                <a:ea typeface="Meiryo UI" panose="020B0604030504040204" pitchFamily="50" charset="-128"/>
-              </a:rPr>
-              <a:t>コトバンク</a:t>
-            </a:r>
-            <a:endParaRPr lang="en-US" altLang="ja-JP" sz="1200" dirty="0" smtClean="0">
-              <a:solidFill>
-                <a:schemeClr val="tx1"/>
-              </a:solidFill>
-              <a:latin typeface="Meiryo UI" panose="020B0604030504040204" pitchFamily="50" charset="-128"/>
-              <a:ea typeface="Meiryo UI" panose="020B0604030504040204" pitchFamily="50" charset="-128"/>
-            </a:endParaRPr>
-          </a:p>
-          <a:p>
-            <a:r>
-              <a:rPr lang="en-US" altLang="ja-JP" sz="1200" dirty="0" smtClean="0">
-                <a:solidFill>
-                  <a:schemeClr val="tx1"/>
-                </a:solidFill>
-                <a:latin typeface="Meiryo UI" panose="020B0604030504040204" pitchFamily="50" charset="-128"/>
-                <a:ea typeface="Meiryo UI" panose="020B0604030504040204" pitchFamily="50" charset="-128"/>
-              </a:rPr>
-              <a:t>https</a:t>
-            </a:r>
-            <a:r>
-              <a:rPr lang="en-US" altLang="ja-JP" sz="1200" dirty="0">
-                <a:solidFill>
-                  <a:schemeClr val="tx1"/>
-                </a:solidFill>
-                <a:latin typeface="Meiryo UI" panose="020B0604030504040204" pitchFamily="50" charset="-128"/>
-                <a:ea typeface="Meiryo UI" panose="020B0604030504040204" pitchFamily="50" charset="-128"/>
-              </a:rPr>
-              <a:t>://kotobank.jp/word/PM%E7%90%86%E8%AB%96-169281</a:t>
-            </a:r>
-            <a:endParaRPr kumimoji="1" lang="ja-JP" altLang="en-US" sz="1200" dirty="0">
-              <a:solidFill>
-                <a:schemeClr val="tx1"/>
-              </a:solidFill>
-              <a:latin typeface="Meiryo UI" panose="020B0604030504040204" pitchFamily="50" charset="-128"/>
-              <a:ea typeface="Meiryo UI" panose="020B0604030504040204" pitchFamily="50" charset="-128"/>
-            </a:endParaRPr>
-          </a:p>
-        </p:txBody>
-      </p:sp>
-      <p:cxnSp>
-        <p:nvCxnSpPr>
-          <p:cNvPr id="6" name="直線矢印コネクタ 5"/>
-          <p:cNvCxnSpPr/>
-          <p:nvPr/>
-        </p:nvCxnSpPr>
-        <p:spPr>
-          <a:xfrm flipV="1">
-            <a:off x="856604" y="2382473"/>
-            <a:ext cx="8389" cy="3204596"/>
-          </a:xfrm>
-          <a:prstGeom prst="straightConnector1">
-            <a:avLst/>
-          </a:prstGeom>
-          <a:ln w="76200">
-            <a:tailEnd type="triangle"/>
-          </a:ln>
-        </p:spPr>
-        <p:style>
-          <a:lnRef idx="3">
-            <a:schemeClr val="dk1"/>
-          </a:lnRef>
-          <a:fillRef idx="0">
-            <a:schemeClr val="dk1"/>
-          </a:fillRef>
-          <a:effectRef idx="2">
-            <a:schemeClr val="dk1"/>
-          </a:effectRef>
-          <a:fontRef idx="minor">
-            <a:schemeClr val="tx1"/>
-          </a:fontRef>
-        </p:style>
-      </p:cxnSp>
-      <p:cxnSp>
-        <p:nvCxnSpPr>
-          <p:cNvPr id="9" name="直線矢印コネクタ 8"/>
-          <p:cNvCxnSpPr/>
-          <p:nvPr/>
-        </p:nvCxnSpPr>
-        <p:spPr>
-          <a:xfrm>
-            <a:off x="856604" y="5587069"/>
-            <a:ext cx="4655890" cy="0"/>
-          </a:xfrm>
-          <a:prstGeom prst="straightConnector1">
-            <a:avLst/>
-          </a:prstGeom>
-          <a:ln w="76200">
-            <a:tailEnd type="triangle"/>
-          </a:ln>
-        </p:spPr>
-        <p:style>
-          <a:lnRef idx="3">
-            <a:schemeClr val="dk1"/>
-          </a:lnRef>
-          <a:fillRef idx="0">
-            <a:schemeClr val="dk1"/>
-          </a:fillRef>
-          <a:effectRef idx="2">
-            <a:schemeClr val="dk1"/>
-          </a:effectRef>
-          <a:fontRef idx="minor">
-            <a:schemeClr val="tx1"/>
-          </a:fontRef>
-        </p:style>
-      </p:cxnSp>
-      <p:sp>
-        <p:nvSpPr>
-          <p:cNvPr id="12" name="正方形/長方形 11"/>
-          <p:cNvSpPr/>
-          <p:nvPr/>
-        </p:nvSpPr>
-        <p:spPr>
-          <a:xfrm>
-            <a:off x="1141830" y="2678334"/>
-            <a:ext cx="2105636" cy="1400962"/>
-          </a:xfrm>
-          <a:prstGeom prst="rect">
-            <a:avLst/>
-          </a:prstGeom>
-          <a:solidFill>
-            <a:schemeClr val="bg1"/>
-          </a:solidFill>
-          <a:ln>
-            <a:solidFill>
-              <a:schemeClr val="tx1"/>
-            </a:solidFill>
-          </a:ln>
-        </p:spPr>
-        <p:style>
-          <a:lnRef idx="2">
-            <a:schemeClr val="accent1">
-              <a:shade val="50000"/>
-            </a:schemeClr>
-          </a:lnRef>
-          <a:fillRef idx="1">
-            <a:schemeClr val="accent1"/>
-          </a:fillRef>
-          <a:effectRef idx="0">
-            <a:schemeClr val="accent1"/>
-          </a:effectRef>
-          <a:fontRef idx="minor">
-            <a:schemeClr val="lt1"/>
-          </a:fontRef>
-        </p:style>
-        <p:txBody>
-          <a:bodyPr rtlCol="0" anchor="ctr"/>
-          <a:lstStyle/>
-          <a:p>
-            <a:pPr algn="ctr"/>
-            <a:r>
-              <a:rPr kumimoji="1" lang="en-US" altLang="ja-JP" sz="3200" dirty="0" smtClean="0">
-                <a:solidFill>
-                  <a:schemeClr val="tx1"/>
-                </a:solidFill>
-                <a:latin typeface="Meiryo UI" panose="020B0604030504040204" pitchFamily="50" charset="-128"/>
-                <a:ea typeface="Meiryo UI" panose="020B0604030504040204" pitchFamily="50" charset="-128"/>
-              </a:rPr>
-              <a:t>Pm</a:t>
-            </a:r>
-            <a:r>
-              <a:rPr kumimoji="1" lang="ja-JP" altLang="en-US" sz="3200" dirty="0" smtClean="0">
-                <a:solidFill>
-                  <a:schemeClr val="tx1"/>
-                </a:solidFill>
-                <a:latin typeface="Meiryo UI" panose="020B0604030504040204" pitchFamily="50" charset="-128"/>
-                <a:ea typeface="Meiryo UI" panose="020B0604030504040204" pitchFamily="50" charset="-128"/>
-              </a:rPr>
-              <a:t>型</a:t>
-            </a:r>
-            <a:endParaRPr kumimoji="1" lang="ja-JP" altLang="en-US" sz="3200" dirty="0">
-              <a:solidFill>
-                <a:schemeClr val="tx1"/>
-              </a:solidFill>
-              <a:latin typeface="Meiryo UI" panose="020B0604030504040204" pitchFamily="50" charset="-128"/>
-              <a:ea typeface="Meiryo UI" panose="020B0604030504040204" pitchFamily="50" charset="-128"/>
-            </a:endParaRPr>
-          </a:p>
-        </p:txBody>
-      </p:sp>
-      <p:sp>
-        <p:nvSpPr>
-          <p:cNvPr id="13" name="正方形/長方形 12"/>
-          <p:cNvSpPr/>
-          <p:nvPr/>
-        </p:nvSpPr>
-        <p:spPr>
-          <a:xfrm>
-            <a:off x="1141830" y="4079296"/>
-            <a:ext cx="2105636" cy="1400962"/>
-          </a:xfrm>
-          <a:prstGeom prst="rect">
-            <a:avLst/>
-          </a:prstGeom>
-          <a:solidFill>
-            <a:schemeClr val="bg1"/>
-          </a:solidFill>
-          <a:ln>
-            <a:solidFill>
-              <a:schemeClr val="tx1"/>
-            </a:solidFill>
-          </a:ln>
-        </p:spPr>
-        <p:style>
-          <a:lnRef idx="2">
-            <a:schemeClr val="accent1">
-              <a:shade val="50000"/>
-            </a:schemeClr>
-          </a:lnRef>
-          <a:fillRef idx="1">
-            <a:schemeClr val="accent1"/>
-          </a:fillRef>
-          <a:effectRef idx="0">
-            <a:schemeClr val="accent1"/>
-          </a:effectRef>
-          <a:fontRef idx="minor">
-            <a:schemeClr val="lt1"/>
-          </a:fontRef>
-        </p:style>
-        <p:txBody>
-          <a:bodyPr rtlCol="0" anchor="ctr"/>
-          <a:lstStyle/>
-          <a:p>
-            <a:pPr algn="ctr"/>
-            <a:r>
-              <a:rPr lang="en-US" altLang="ja-JP" sz="3200" dirty="0" smtClean="0">
-                <a:solidFill>
-                  <a:schemeClr val="tx1"/>
-                </a:solidFill>
-                <a:latin typeface="Meiryo UI" panose="020B0604030504040204" pitchFamily="50" charset="-128"/>
-                <a:ea typeface="Meiryo UI" panose="020B0604030504040204" pitchFamily="50" charset="-128"/>
-              </a:rPr>
-              <a:t>p</a:t>
-            </a:r>
-            <a:r>
-              <a:rPr kumimoji="1" lang="en-US" altLang="ja-JP" sz="3200" dirty="0" smtClean="0">
-                <a:solidFill>
-                  <a:schemeClr val="tx1"/>
-                </a:solidFill>
-                <a:latin typeface="Meiryo UI" panose="020B0604030504040204" pitchFamily="50" charset="-128"/>
-                <a:ea typeface="Meiryo UI" panose="020B0604030504040204" pitchFamily="50" charset="-128"/>
-              </a:rPr>
-              <a:t>m</a:t>
-            </a:r>
-            <a:r>
-              <a:rPr lang="ja-JP" altLang="en-US" sz="3200" dirty="0">
-                <a:solidFill>
-                  <a:schemeClr val="tx1"/>
-                </a:solidFill>
-                <a:latin typeface="Meiryo UI" panose="020B0604030504040204" pitchFamily="50" charset="-128"/>
-                <a:ea typeface="Meiryo UI" panose="020B0604030504040204" pitchFamily="50" charset="-128"/>
-              </a:rPr>
-              <a:t>型</a:t>
-            </a:r>
-            <a:endParaRPr kumimoji="1" lang="ja-JP" altLang="en-US" sz="3200" dirty="0">
-              <a:solidFill>
-                <a:schemeClr val="tx1"/>
-              </a:solidFill>
-              <a:latin typeface="Meiryo UI" panose="020B0604030504040204" pitchFamily="50" charset="-128"/>
-              <a:ea typeface="Meiryo UI" panose="020B0604030504040204" pitchFamily="50" charset="-128"/>
-            </a:endParaRPr>
-          </a:p>
-        </p:txBody>
-      </p:sp>
-      <p:sp>
-        <p:nvSpPr>
-          <p:cNvPr id="14" name="正方形/長方形 13"/>
-          <p:cNvSpPr/>
-          <p:nvPr/>
-        </p:nvSpPr>
-        <p:spPr>
-          <a:xfrm>
-            <a:off x="3247466" y="2678334"/>
-            <a:ext cx="2105636" cy="1400962"/>
-          </a:xfrm>
-          <a:prstGeom prst="rect">
-            <a:avLst/>
-          </a:prstGeom>
-          <a:solidFill>
-            <a:schemeClr val="bg1"/>
-          </a:solidFill>
-          <a:ln>
-            <a:solidFill>
-              <a:schemeClr val="tx1"/>
-            </a:solidFill>
-          </a:ln>
-        </p:spPr>
-        <p:style>
-          <a:lnRef idx="2">
-            <a:schemeClr val="accent1">
-              <a:shade val="50000"/>
-            </a:schemeClr>
-          </a:lnRef>
-          <a:fillRef idx="1">
-            <a:schemeClr val="accent1"/>
-          </a:fillRef>
-          <a:effectRef idx="0">
-            <a:schemeClr val="accent1"/>
-          </a:effectRef>
-          <a:fontRef idx="minor">
-            <a:schemeClr val="lt1"/>
-          </a:fontRef>
-        </p:style>
-        <p:txBody>
-          <a:bodyPr rtlCol="0" anchor="ctr"/>
-          <a:lstStyle/>
-          <a:p>
-            <a:pPr algn="ctr"/>
-            <a:r>
-              <a:rPr kumimoji="1" lang="en-US" altLang="ja-JP" sz="3200" dirty="0" smtClean="0">
-                <a:solidFill>
-                  <a:schemeClr val="tx1"/>
-                </a:solidFill>
-                <a:latin typeface="Meiryo UI" panose="020B0604030504040204" pitchFamily="50" charset="-128"/>
-                <a:ea typeface="Meiryo UI" panose="020B0604030504040204" pitchFamily="50" charset="-128"/>
-              </a:rPr>
-              <a:t>PM</a:t>
-            </a:r>
-            <a:r>
-              <a:rPr kumimoji="1" lang="ja-JP" altLang="en-US" sz="3200" dirty="0" smtClean="0">
-                <a:solidFill>
-                  <a:schemeClr val="tx1"/>
-                </a:solidFill>
-                <a:latin typeface="Meiryo UI" panose="020B0604030504040204" pitchFamily="50" charset="-128"/>
-                <a:ea typeface="Meiryo UI" panose="020B0604030504040204" pitchFamily="50" charset="-128"/>
-              </a:rPr>
-              <a:t>型</a:t>
-            </a:r>
-            <a:endParaRPr kumimoji="1" lang="ja-JP" altLang="en-US" sz="3200" dirty="0">
-              <a:solidFill>
-                <a:schemeClr val="tx1"/>
-              </a:solidFill>
-              <a:latin typeface="Meiryo UI" panose="020B0604030504040204" pitchFamily="50" charset="-128"/>
-              <a:ea typeface="Meiryo UI" panose="020B0604030504040204" pitchFamily="50" charset="-128"/>
-            </a:endParaRPr>
-          </a:p>
-        </p:txBody>
-      </p:sp>
-      <p:sp>
-        <p:nvSpPr>
-          <p:cNvPr id="15" name="正方形/長方形 14"/>
-          <p:cNvSpPr/>
-          <p:nvPr/>
-        </p:nvSpPr>
-        <p:spPr>
-          <a:xfrm>
-            <a:off x="3247466" y="4079296"/>
-            <a:ext cx="2105636" cy="1400962"/>
-          </a:xfrm>
-          <a:prstGeom prst="rect">
-            <a:avLst/>
-          </a:prstGeom>
-          <a:solidFill>
-            <a:schemeClr val="bg1"/>
-          </a:solidFill>
-          <a:ln>
-            <a:solidFill>
-              <a:schemeClr val="tx1"/>
-            </a:solidFill>
-          </a:ln>
-        </p:spPr>
-        <p:style>
-          <a:lnRef idx="2">
-            <a:schemeClr val="accent1">
-              <a:shade val="50000"/>
-            </a:schemeClr>
-          </a:lnRef>
-          <a:fillRef idx="1">
-            <a:schemeClr val="accent1"/>
-          </a:fillRef>
-          <a:effectRef idx="0">
-            <a:schemeClr val="accent1"/>
-          </a:effectRef>
-          <a:fontRef idx="minor">
-            <a:schemeClr val="lt1"/>
-          </a:fontRef>
-        </p:style>
-        <p:txBody>
-          <a:bodyPr rtlCol="0" anchor="ctr"/>
-          <a:lstStyle/>
-          <a:p>
-            <a:pPr algn="ctr"/>
-            <a:r>
-              <a:rPr kumimoji="1" lang="en-US" altLang="ja-JP" sz="3200" dirty="0" err="1" smtClean="0">
-                <a:solidFill>
-                  <a:schemeClr val="tx1"/>
-                </a:solidFill>
-                <a:latin typeface="Meiryo UI" panose="020B0604030504040204" pitchFamily="50" charset="-128"/>
-                <a:ea typeface="Meiryo UI" panose="020B0604030504040204" pitchFamily="50" charset="-128"/>
-              </a:rPr>
-              <a:t>pM</a:t>
-            </a:r>
-            <a:r>
-              <a:rPr kumimoji="1" lang="ja-JP" altLang="en-US" sz="3200" dirty="0" smtClean="0">
-                <a:solidFill>
-                  <a:schemeClr val="tx1"/>
-                </a:solidFill>
-                <a:latin typeface="Meiryo UI" panose="020B0604030504040204" pitchFamily="50" charset="-128"/>
-                <a:ea typeface="Meiryo UI" panose="020B0604030504040204" pitchFamily="50" charset="-128"/>
-              </a:rPr>
-              <a:t>型</a:t>
-            </a:r>
-            <a:endParaRPr kumimoji="1" lang="ja-JP" altLang="en-US" sz="3200" dirty="0">
-              <a:solidFill>
-                <a:schemeClr val="tx1"/>
-              </a:solidFill>
-              <a:latin typeface="Meiryo UI" panose="020B0604030504040204" pitchFamily="50" charset="-128"/>
-              <a:ea typeface="Meiryo UI" panose="020B0604030504040204" pitchFamily="50" charset="-128"/>
-            </a:endParaRPr>
-          </a:p>
-        </p:txBody>
-      </p:sp>
-      <p:sp>
-        <p:nvSpPr>
-          <p:cNvPr id="16" name="テキスト ボックス 15"/>
-          <p:cNvSpPr txBox="1"/>
-          <p:nvPr/>
-        </p:nvSpPr>
-        <p:spPr>
-          <a:xfrm>
-            <a:off x="2194648" y="5658565"/>
-            <a:ext cx="1920719" cy="369332"/>
-          </a:xfrm>
-          <a:prstGeom prst="rect">
-            <a:avLst/>
-          </a:prstGeom>
-          <a:noFill/>
-        </p:spPr>
-        <p:txBody>
-          <a:bodyPr wrap="none" rtlCol="0">
-            <a:spAutoFit/>
-          </a:bodyPr>
-          <a:lstStyle/>
-          <a:p>
-            <a:r>
-              <a:rPr kumimoji="1" lang="en-US" altLang="ja-JP" dirty="0" smtClean="0"/>
-              <a:t>M</a:t>
-            </a:r>
-            <a:r>
-              <a:rPr kumimoji="1" lang="ja-JP" altLang="en-US" dirty="0" smtClean="0"/>
-              <a:t>　集団維持能力</a:t>
-            </a:r>
             <a:endParaRPr kumimoji="1" lang="ja-JP" altLang="en-US" dirty="0"/>
           </a:p>
         </p:txBody>
       </p:sp>
-      <p:sp>
-        <p:nvSpPr>
-          <p:cNvPr id="17" name="テキスト ボックス 16"/>
-          <p:cNvSpPr txBox="1"/>
-          <p:nvPr/>
-        </p:nvSpPr>
-        <p:spPr>
-          <a:xfrm>
-            <a:off x="743772" y="5654180"/>
-            <a:ext cx="415498" cy="369332"/>
-          </a:xfrm>
-          <a:prstGeom prst="rect">
-            <a:avLst/>
-          </a:prstGeom>
-          <a:noFill/>
-        </p:spPr>
-        <p:txBody>
-          <a:bodyPr wrap="none" rtlCol="0">
-            <a:spAutoFit/>
-          </a:bodyPr>
-          <a:lstStyle/>
-          <a:p>
-            <a:r>
-              <a:rPr kumimoji="1" lang="ja-JP" altLang="en-US" dirty="0" smtClean="0"/>
-              <a:t>低</a:t>
-            </a:r>
-            <a:endParaRPr kumimoji="1" lang="ja-JP" altLang="en-US" dirty="0"/>
-          </a:p>
-        </p:txBody>
-      </p:sp>
-      <p:sp>
-        <p:nvSpPr>
-          <p:cNvPr id="18" name="テキスト ボックス 17"/>
-          <p:cNvSpPr txBox="1"/>
-          <p:nvPr/>
-        </p:nvSpPr>
-        <p:spPr>
-          <a:xfrm>
-            <a:off x="5202101" y="5715261"/>
-            <a:ext cx="415498" cy="369332"/>
-          </a:xfrm>
-          <a:prstGeom prst="rect">
-            <a:avLst/>
-          </a:prstGeom>
-          <a:noFill/>
-        </p:spPr>
-        <p:txBody>
-          <a:bodyPr wrap="none" rtlCol="0">
-            <a:spAutoFit/>
-          </a:bodyPr>
-          <a:lstStyle/>
-          <a:p>
-            <a:r>
-              <a:rPr kumimoji="1" lang="ja-JP" altLang="en-US" dirty="0" smtClean="0"/>
-              <a:t>高</a:t>
-            </a:r>
-            <a:endParaRPr kumimoji="1" lang="ja-JP" altLang="en-US" dirty="0"/>
-          </a:p>
-        </p:txBody>
-      </p:sp>
-      <p:sp>
-        <p:nvSpPr>
-          <p:cNvPr id="19" name="テキスト ボックス 18"/>
-          <p:cNvSpPr txBox="1"/>
-          <p:nvPr/>
-        </p:nvSpPr>
-        <p:spPr>
-          <a:xfrm>
-            <a:off x="441106" y="5217738"/>
-            <a:ext cx="415498" cy="369332"/>
-          </a:xfrm>
-          <a:prstGeom prst="rect">
-            <a:avLst/>
-          </a:prstGeom>
-          <a:noFill/>
-        </p:spPr>
-        <p:txBody>
-          <a:bodyPr wrap="none" rtlCol="0">
-            <a:spAutoFit/>
-          </a:bodyPr>
-          <a:lstStyle/>
-          <a:p>
-            <a:r>
-              <a:rPr kumimoji="1" lang="ja-JP" altLang="en-US" dirty="0" smtClean="0"/>
-              <a:t>低</a:t>
-            </a:r>
-            <a:endParaRPr kumimoji="1" lang="ja-JP" altLang="en-US" dirty="0"/>
-          </a:p>
-        </p:txBody>
-      </p:sp>
-      <p:sp>
-        <p:nvSpPr>
-          <p:cNvPr id="20" name="テキスト ボックス 19"/>
-          <p:cNvSpPr txBox="1"/>
-          <p:nvPr/>
-        </p:nvSpPr>
-        <p:spPr>
-          <a:xfrm>
-            <a:off x="372018" y="2382472"/>
-            <a:ext cx="415498" cy="369332"/>
-          </a:xfrm>
-          <a:prstGeom prst="rect">
-            <a:avLst/>
-          </a:prstGeom>
-          <a:noFill/>
-        </p:spPr>
-        <p:txBody>
-          <a:bodyPr wrap="none" rtlCol="0">
-            <a:spAutoFit/>
-          </a:bodyPr>
-          <a:lstStyle/>
-          <a:p>
-            <a:r>
-              <a:rPr kumimoji="1" lang="ja-JP" altLang="en-US" dirty="0" smtClean="0"/>
-              <a:t>高</a:t>
-            </a:r>
-            <a:endParaRPr kumimoji="1" lang="ja-JP" altLang="en-US" dirty="0"/>
-          </a:p>
-        </p:txBody>
-      </p:sp>
-      <p:sp>
-        <p:nvSpPr>
-          <p:cNvPr id="21" name="テキスト ボックス 20"/>
-          <p:cNvSpPr txBox="1"/>
-          <p:nvPr/>
-        </p:nvSpPr>
-        <p:spPr>
-          <a:xfrm>
-            <a:off x="327171" y="2995868"/>
-            <a:ext cx="461665" cy="1749838"/>
-          </a:xfrm>
-          <a:prstGeom prst="rect">
-            <a:avLst/>
-          </a:prstGeom>
-          <a:noFill/>
-        </p:spPr>
-        <p:txBody>
-          <a:bodyPr vert="eaVert" wrap="none" rtlCol="0">
-            <a:spAutoFit/>
-          </a:bodyPr>
-          <a:lstStyle/>
-          <a:p>
-            <a:r>
-              <a:rPr kumimoji="1" lang="en-US" altLang="ja-JP" dirty="0" smtClean="0"/>
-              <a:t>P</a:t>
-            </a:r>
-            <a:r>
-              <a:rPr kumimoji="1" lang="ja-JP" altLang="en-US" dirty="0" smtClean="0"/>
-              <a:t>　</a:t>
-            </a:r>
-            <a:r>
-              <a:rPr lang="ja-JP" altLang="en-US" dirty="0" smtClean="0"/>
-              <a:t>目的達成能力</a:t>
-            </a:r>
-            <a:endParaRPr kumimoji="1" lang="ja-JP" altLang="en-US" dirty="0"/>
-          </a:p>
-        </p:txBody>
-      </p:sp>
-      <p:graphicFrame>
-        <p:nvGraphicFramePr>
-          <p:cNvPr id="23" name="表 22"/>
-          <p:cNvGraphicFramePr>
-            <a:graphicFrameLocks noGrp="1"/>
-          </p:cNvGraphicFramePr>
-          <p:nvPr>
-            <p:extLst>
-              <p:ext uri="{D42A27DB-BD31-4B8C-83A1-F6EECF244321}">
-                <p14:modId xmlns:p14="http://schemas.microsoft.com/office/powerpoint/2010/main" val="1931026063"/>
-              </p:ext>
-            </p:extLst>
-          </p:nvPr>
-        </p:nvGraphicFramePr>
-        <p:xfrm>
-          <a:off x="5789339" y="2604286"/>
-          <a:ext cx="6114638" cy="2898192"/>
-        </p:xfrm>
-        <a:graphic>
-          <a:graphicData uri="http://schemas.openxmlformats.org/drawingml/2006/table">
-            <a:tbl>
-              <a:tblPr firstRow="1" bandRow="1">
-                <a:tableStyleId>{5940675A-B579-460E-94D1-54222C63F5DA}</a:tableStyleId>
-              </a:tblPr>
-              <a:tblGrid>
-                <a:gridCol w="825500"/>
-                <a:gridCol w="5289138"/>
-              </a:tblGrid>
-              <a:tr h="724548">
-                <a:tc>
-                  <a:txBody>
-                    <a:bodyPr/>
-                    <a:lstStyle/>
-                    <a:p>
-                      <a:r>
-                        <a:rPr kumimoji="1" lang="en-US" altLang="ja-JP" dirty="0" smtClean="0">
-                          <a:latin typeface="Meiryo UI" panose="020B0604030504040204" pitchFamily="50" charset="-128"/>
-                          <a:ea typeface="Meiryo UI" panose="020B0604030504040204" pitchFamily="50" charset="-128"/>
-                        </a:rPr>
-                        <a:t>PM</a:t>
-                      </a:r>
-                      <a:r>
-                        <a:rPr kumimoji="1" lang="ja-JP" altLang="en-US" dirty="0" smtClean="0">
-                          <a:latin typeface="Meiryo UI" panose="020B0604030504040204" pitchFamily="50" charset="-128"/>
-                          <a:ea typeface="Meiryo UI" panose="020B0604030504040204" pitchFamily="50" charset="-128"/>
-                        </a:rPr>
-                        <a:t>型</a:t>
-                      </a:r>
-                      <a:endParaRPr kumimoji="1" lang="ja-JP" altLang="en-US" dirty="0">
-                        <a:latin typeface="Meiryo UI" panose="020B0604030504040204" pitchFamily="50" charset="-128"/>
-                        <a:ea typeface="Meiryo UI" panose="020B0604030504040204" pitchFamily="50" charset="-128"/>
-                      </a:endParaRPr>
-                    </a:p>
-                  </a:txBody>
-                  <a:tcPr/>
-                </a:tc>
-                <a:tc>
-                  <a:txBody>
-                    <a:bodyPr/>
-                    <a:lstStyle/>
-                    <a:p>
-                      <a:r>
-                        <a:rPr kumimoji="1" lang="ja-JP" altLang="en-US" dirty="0" smtClean="0">
-                          <a:latin typeface="Meiryo UI" panose="020B0604030504040204" pitchFamily="50" charset="-128"/>
-                          <a:ea typeface="Meiryo UI" panose="020B0604030504040204" pitchFamily="50" charset="-128"/>
-                        </a:rPr>
-                        <a:t>目標を達成できるとともに集団をまとめる力もある理想的なリーダーシップ</a:t>
-                      </a:r>
-                      <a:endParaRPr kumimoji="1" lang="ja-JP" altLang="en-US" dirty="0">
-                        <a:latin typeface="Meiryo UI" panose="020B0604030504040204" pitchFamily="50" charset="-128"/>
-                        <a:ea typeface="Meiryo UI" panose="020B0604030504040204" pitchFamily="50" charset="-128"/>
-                      </a:endParaRPr>
-                    </a:p>
-                  </a:txBody>
-                  <a:tcPr/>
-                </a:tc>
-              </a:tr>
-              <a:tr h="724548">
-                <a:tc>
-                  <a:txBody>
-                    <a:bodyPr/>
-                    <a:lstStyle/>
-                    <a:p>
-                      <a:r>
-                        <a:rPr kumimoji="1" lang="en-US" altLang="ja-JP" dirty="0" smtClean="0">
-                          <a:latin typeface="Meiryo UI" panose="020B0604030504040204" pitchFamily="50" charset="-128"/>
-                          <a:ea typeface="Meiryo UI" panose="020B0604030504040204" pitchFamily="50" charset="-128"/>
-                        </a:rPr>
-                        <a:t>Pm</a:t>
-                      </a:r>
-                      <a:r>
-                        <a:rPr kumimoji="1" lang="ja-JP" altLang="en-US" dirty="0" smtClean="0">
-                          <a:latin typeface="Meiryo UI" panose="020B0604030504040204" pitchFamily="50" charset="-128"/>
-                          <a:ea typeface="Meiryo UI" panose="020B0604030504040204" pitchFamily="50" charset="-128"/>
-                        </a:rPr>
-                        <a:t>型</a:t>
-                      </a:r>
-                      <a:endParaRPr kumimoji="1" lang="ja-JP" altLang="en-US" dirty="0">
-                        <a:latin typeface="Meiryo UI" panose="020B0604030504040204" pitchFamily="50" charset="-128"/>
-                        <a:ea typeface="Meiryo UI" panose="020B0604030504040204" pitchFamily="50" charset="-128"/>
-                      </a:endParaRPr>
-                    </a:p>
-                  </a:txBody>
-                  <a:tcPr/>
-                </a:tc>
-                <a:tc>
-                  <a:txBody>
-                    <a:bodyPr/>
-                    <a:lstStyle/>
-                    <a:p>
-                      <a:r>
-                        <a:rPr kumimoji="1" lang="ja-JP" altLang="en-US" dirty="0" smtClean="0">
-                          <a:latin typeface="Meiryo UI" panose="020B0604030504040204" pitchFamily="50" charset="-128"/>
-                          <a:ea typeface="Meiryo UI" panose="020B0604030504040204" pitchFamily="50" charset="-128"/>
-                        </a:rPr>
-                        <a:t>目標を達成できるが、集団をまとめる力が弱い。人望がないタイプ。</a:t>
-                      </a:r>
-                      <a:endParaRPr kumimoji="1" lang="ja-JP" altLang="en-US" dirty="0">
-                        <a:latin typeface="Meiryo UI" panose="020B0604030504040204" pitchFamily="50" charset="-128"/>
-                        <a:ea typeface="Meiryo UI" panose="020B0604030504040204" pitchFamily="50" charset="-128"/>
-                      </a:endParaRPr>
-                    </a:p>
-                  </a:txBody>
-                  <a:tcPr/>
-                </a:tc>
-              </a:tr>
-              <a:tr h="724548">
-                <a:tc>
-                  <a:txBody>
-                    <a:bodyPr/>
-                    <a:lstStyle/>
-                    <a:p>
-                      <a:r>
-                        <a:rPr kumimoji="1" lang="en-US" altLang="ja-JP" dirty="0" err="1" smtClean="0">
-                          <a:latin typeface="Meiryo UI" panose="020B0604030504040204" pitchFamily="50" charset="-128"/>
-                          <a:ea typeface="Meiryo UI" panose="020B0604030504040204" pitchFamily="50" charset="-128"/>
-                        </a:rPr>
-                        <a:t>pM</a:t>
-                      </a:r>
-                      <a:r>
-                        <a:rPr kumimoji="1" lang="ja-JP" altLang="en-US" dirty="0" smtClean="0">
-                          <a:latin typeface="Meiryo UI" panose="020B0604030504040204" pitchFamily="50" charset="-128"/>
-                          <a:ea typeface="Meiryo UI" panose="020B0604030504040204" pitchFamily="50" charset="-128"/>
-                        </a:rPr>
-                        <a:t>型</a:t>
-                      </a:r>
-                      <a:endParaRPr kumimoji="1" lang="ja-JP" altLang="en-US" dirty="0">
-                        <a:latin typeface="Meiryo UI" panose="020B0604030504040204" pitchFamily="50" charset="-128"/>
-                        <a:ea typeface="Meiryo UI" panose="020B0604030504040204" pitchFamily="50" charset="-128"/>
-                      </a:endParaRPr>
-                    </a:p>
-                  </a:txBody>
-                  <a:tcPr/>
-                </a:tc>
-                <a:tc>
-                  <a:txBody>
-                    <a:bodyPr/>
-                    <a:lstStyle/>
-                    <a:p>
-                      <a:r>
-                        <a:rPr kumimoji="1" lang="ja-JP" altLang="en-US" dirty="0" smtClean="0">
-                          <a:latin typeface="Meiryo UI" panose="020B0604030504040204" pitchFamily="50" charset="-128"/>
-                          <a:ea typeface="Meiryo UI" panose="020B0604030504040204" pitchFamily="50" charset="-128"/>
-                        </a:rPr>
-                        <a:t>集団をまとめる力はあるが、成果を上げる力が弱い。</a:t>
-                      </a:r>
-                      <a:endParaRPr kumimoji="1" lang="ja-JP" altLang="en-US" dirty="0">
-                        <a:latin typeface="Meiryo UI" panose="020B0604030504040204" pitchFamily="50" charset="-128"/>
-                        <a:ea typeface="Meiryo UI" panose="020B0604030504040204" pitchFamily="50" charset="-128"/>
-                      </a:endParaRPr>
-                    </a:p>
-                  </a:txBody>
-                  <a:tcPr/>
-                </a:tc>
-              </a:tr>
-              <a:tr h="724548">
-                <a:tc>
-                  <a:txBody>
-                    <a:bodyPr/>
-                    <a:lstStyle/>
-                    <a:p>
-                      <a:r>
-                        <a:rPr kumimoji="1" lang="en-US" altLang="ja-JP" dirty="0" smtClean="0">
-                          <a:latin typeface="Meiryo UI" panose="020B0604030504040204" pitchFamily="50" charset="-128"/>
-                          <a:ea typeface="Meiryo UI" panose="020B0604030504040204" pitchFamily="50" charset="-128"/>
-                        </a:rPr>
-                        <a:t>Pm</a:t>
-                      </a:r>
-                      <a:r>
-                        <a:rPr kumimoji="1" lang="ja-JP" altLang="en-US" dirty="0" smtClean="0">
-                          <a:latin typeface="Meiryo UI" panose="020B0604030504040204" pitchFamily="50" charset="-128"/>
-                          <a:ea typeface="Meiryo UI" panose="020B0604030504040204" pitchFamily="50" charset="-128"/>
-                        </a:rPr>
-                        <a:t>型</a:t>
-                      </a:r>
-                      <a:endParaRPr kumimoji="1" lang="ja-JP" altLang="en-US" dirty="0">
-                        <a:latin typeface="Meiryo UI" panose="020B0604030504040204" pitchFamily="50" charset="-128"/>
-                        <a:ea typeface="Meiryo UI" panose="020B0604030504040204" pitchFamily="50" charset="-128"/>
-                      </a:endParaRPr>
-                    </a:p>
-                  </a:txBody>
-                  <a:tcPr/>
-                </a:tc>
-                <a:tc>
-                  <a:txBody>
-                    <a:bodyPr/>
-                    <a:lstStyle/>
-                    <a:p>
-                      <a:r>
-                        <a:rPr kumimoji="1" lang="ja-JP" altLang="en-US" dirty="0" smtClean="0">
-                          <a:latin typeface="Meiryo UI" panose="020B0604030504040204" pitchFamily="50" charset="-128"/>
-                          <a:ea typeface="Meiryo UI" panose="020B0604030504040204" pitchFamily="50" charset="-128"/>
-                        </a:rPr>
-                        <a:t>成果をあげる力も、集団をまとめる力も弱く、リーダー失格</a:t>
-                      </a:r>
-                      <a:endParaRPr kumimoji="1" lang="ja-JP" altLang="en-US" dirty="0">
-                        <a:latin typeface="Meiryo UI" panose="020B0604030504040204" pitchFamily="50" charset="-128"/>
-                        <a:ea typeface="Meiryo UI" panose="020B0604030504040204" pitchFamily="50" charset="-128"/>
-                      </a:endParaRPr>
-                    </a:p>
-                  </a:txBody>
-                  <a:tcPr/>
-                </a:tc>
-              </a:tr>
-            </a:tbl>
-          </a:graphicData>
-        </a:graphic>
-      </p:graphicFrame>
     </p:spTree>
     <p:extLst>
       <p:ext uri="{BB962C8B-B14F-4D97-AF65-F5344CB8AC3E}">
-        <p14:creationId xmlns:p14="http://schemas.microsoft.com/office/powerpoint/2010/main" val="3451977180"/>
+        <p14:creationId xmlns:p14="http://schemas.microsoft.com/office/powerpoint/2010/main" val="3679629459"/>
       </p:ext>
     </p:extLst>
   </p:cSld>
   <p:clrMapOvr>
     <a:masterClrMapping/>
   </p:clrMapOvr>
-  <p:timing>
-    <p:tnLst>
-      <p:par>
-        <p:cTn id="1" dur="indefinite" restart="never" nodeType="tmRoot"/>
-      </p:par>
-    </p:tnLst>
-  </p:timing>
 </p:sld>
 </file>
 
@@ -4252,97 +3230,6 @@
       </p:grpSpPr>
       <p:sp>
         <p:nvSpPr>
-          <p:cNvPr id="4" name="タイトル 3"/>
-          <p:cNvSpPr>
-            <a:spLocks noGrp="1"/>
-          </p:cNvSpPr>
-          <p:nvPr>
-            <p:ph type="ctrTitle"/>
-          </p:nvPr>
-        </p:nvSpPr>
-        <p:spPr/>
-        <p:txBody>
-          <a:bodyPr/>
-          <a:lstStyle/>
-          <a:p>
-            <a:r>
-              <a:rPr lang="ja-JP" altLang="en-US" dirty="0" smtClean="0"/>
-              <a:t>モデリングカフェ第１回　例題</a:t>
-            </a:r>
-            <a:r>
-              <a:rPr lang="en-US" altLang="ja-JP" dirty="0" smtClean="0"/>
-              <a:t/>
-            </a:r>
-            <a:br>
-              <a:rPr lang="en-US" altLang="ja-JP" dirty="0" smtClean="0"/>
-            </a:br>
-            <a:r>
-              <a:rPr lang="ja-JP" altLang="en-US" dirty="0" smtClean="0"/>
-              <a:t>「打合せ」を</a:t>
-            </a:r>
-            <a:r>
-              <a:rPr lang="ja-JP" altLang="en-US" dirty="0"/>
-              <a:t>モデリング</a:t>
-            </a:r>
-            <a:r>
-              <a:rPr lang="ja-JP" altLang="en-US" dirty="0" smtClean="0"/>
-              <a:t>する</a:t>
-            </a:r>
-            <a:endParaRPr kumimoji="1" lang="ja-JP" altLang="en-US" dirty="0"/>
-          </a:p>
-        </p:txBody>
-      </p:sp>
-      <p:sp>
-        <p:nvSpPr>
-          <p:cNvPr id="5" name="サブタイトル 4"/>
-          <p:cNvSpPr>
-            <a:spLocks noGrp="1"/>
-          </p:cNvSpPr>
-          <p:nvPr>
-            <p:ph type="subTitle" idx="1"/>
-          </p:nvPr>
-        </p:nvSpPr>
-        <p:spPr/>
-        <p:txBody>
-          <a:bodyPr/>
-          <a:lstStyle/>
-          <a:p>
-            <a:endParaRPr kumimoji="1" lang="ja-JP" altLang="en-US" dirty="0"/>
-          </a:p>
-        </p:txBody>
-      </p:sp>
-    </p:spTree>
-    <p:extLst>
-      <p:ext uri="{BB962C8B-B14F-4D97-AF65-F5344CB8AC3E}">
-        <p14:creationId xmlns:p14="http://schemas.microsoft.com/office/powerpoint/2010/main" val="3679629459"/>
-      </p:ext>
-    </p:extLst>
-  </p:cSld>
-  <p:clrMapOvr>
-    <a:masterClrMapping/>
-  </p:clrMapOvr>
-</p:sld>
-</file>
-
-<file path=ppt/slides/slide3.xml><?xml version="1.0" encoding="utf-8"?>
-<p:sld xmlns:a="http://schemas.openxmlformats.org/drawingml/2006/main" xmlns:r="http://schemas.openxmlformats.org/officeDocument/2006/relationships" xmlns:p="http://schemas.openxmlformats.org/presentationml/2006/main">
-  <p:cSld>
-    <p:spTree>
-      <p:nvGrpSpPr>
-        <p:cNvPr id="1" name=""/>
-        <p:cNvGrpSpPr/>
-        <p:nvPr/>
-      </p:nvGrpSpPr>
-      <p:grpSpPr>
-        <a:xfrm>
-          <a:off x="0" y="0"/>
-          <a:ext cx="0" cy="0"/>
-          <a:chOff x="0" y="0"/>
-          <a:chExt cx="0" cy="0"/>
-        </a:xfrm>
-      </p:grpSpPr>
-      <p:sp>
-        <p:nvSpPr>
           <p:cNvPr id="2" name="タイトル 1"/>
           <p:cNvSpPr>
             <a:spLocks noGrp="1"/>
@@ -4677,7 +3564,7 @@
 </p:sld>
 </file>
 
-<file path=ppt/slides/slide4.xml><?xml version="1.0" encoding="utf-8"?>
+<file path=ppt/slides/slide3.xml><?xml version="1.0" encoding="utf-8"?>
 <p:sld xmlns:a="http://schemas.openxmlformats.org/drawingml/2006/main" xmlns:r="http://schemas.openxmlformats.org/officeDocument/2006/relationships" xmlns:p="http://schemas.openxmlformats.org/presentationml/2006/main">
   <p:cSld>
     <p:spTree>
@@ -5250,7 +4137,7 @@
 </p:sld>
 </file>
 
-<file path=ppt/slides/slide5.xml><?xml version="1.0" encoding="utf-8"?>
+<file path=ppt/slides/slide4.xml><?xml version="1.0" encoding="utf-8"?>
 <p:sld xmlns:a="http://schemas.openxmlformats.org/drawingml/2006/main" xmlns:r="http://schemas.openxmlformats.org/officeDocument/2006/relationships" xmlns:p="http://schemas.openxmlformats.org/presentationml/2006/main">
   <p:cSld>
     <p:spTree>
@@ -6097,7 +4984,7 @@
 </p:sld>
 </file>
 
-<file path=ppt/slides/slide6.xml><?xml version="1.0" encoding="utf-8"?>
+<file path=ppt/slides/slide5.xml><?xml version="1.0" encoding="utf-8"?>
 <p:sld xmlns:a="http://schemas.openxmlformats.org/drawingml/2006/main" xmlns:r="http://schemas.openxmlformats.org/officeDocument/2006/relationships" xmlns:p="http://schemas.openxmlformats.org/presentationml/2006/main">
   <p:cSld>
     <p:spTree>
@@ -6974,7 +5861,7 @@
 </p:sld>
 </file>
 
-<file path=ppt/slides/slide7.xml><?xml version="1.0" encoding="utf-8"?>
+<file path=ppt/slides/slide6.xml><?xml version="1.0" encoding="utf-8"?>
 <p:sld xmlns:a="http://schemas.openxmlformats.org/drawingml/2006/main" xmlns:r="http://schemas.openxmlformats.org/officeDocument/2006/relationships" xmlns:p="http://schemas.openxmlformats.org/presentationml/2006/main">
   <p:cSld>
     <p:spTree>
@@ -7007,11 +5894,11 @@
           <a:lstStyle/>
           <a:p>
             <a:r>
-              <a:rPr lang="ja-JP" altLang="en-US"/>
+              <a:rPr lang="ja-JP" altLang="en-US" dirty="0"/>
               <a:t>状況</a:t>
             </a:r>
             <a:r>
-              <a:rPr lang="ja-JP" altLang="en-US" smtClean="0"/>
+              <a:rPr lang="ja-JP" altLang="en-US" dirty="0" smtClean="0"/>
               <a:t>把握：要素を選別する</a:t>
             </a:r>
             <a:endParaRPr kumimoji="1" lang="ja-JP" altLang="en-US" dirty="0"/>
@@ -7579,20 +6466,222 @@
           <a:lstStyle/>
           <a:p>
             <a:r>
-              <a:rPr lang="ja-JP" altLang="en-US" sz="2000" dirty="0">
-                <a:latin typeface="メイリオ" panose="020B0604030504040204" pitchFamily="50" charset="-128"/>
-                <a:ea typeface="メイリオ" panose="020B0604030504040204" pitchFamily="50" charset="-128"/>
-              </a:rPr>
-              <a:t>これらの状況を説明できるような「打合せ」を</a:t>
-            </a:r>
-            <a:r>
               <a:rPr lang="ja-JP" altLang="en-US" sz="2000" dirty="0" smtClean="0">
                 <a:latin typeface="メイリオ" panose="020B0604030504040204" pitchFamily="50" charset="-128"/>
                 <a:ea typeface="メイリオ" panose="020B0604030504040204" pitchFamily="50" charset="-128"/>
               </a:rPr>
-              <a:t>モデリングする</a:t>
+              <a:t>純粋に抽出した要素から識別すべき要素を絞っていく</a:t>
             </a:r>
             <a:endParaRPr lang="ja-JP" altLang="en-US" sz="2000" dirty="0">
+              <a:latin typeface="メイリオ" panose="020B0604030504040204" pitchFamily="50" charset="-128"/>
+              <a:ea typeface="メイリオ" panose="020B0604030504040204" pitchFamily="50" charset="-128"/>
+            </a:endParaRPr>
+          </a:p>
+        </p:txBody>
+      </p:sp>
+      <p:sp>
+        <p:nvSpPr>
+          <p:cNvPr id="21" name="正方形/長方形 20"/>
+          <p:cNvSpPr/>
+          <p:nvPr/>
+        </p:nvSpPr>
+        <p:spPr>
+          <a:xfrm>
+            <a:off x="3968746" y="4192311"/>
+            <a:ext cx="1841501" cy="400110"/>
+          </a:xfrm>
+          <a:prstGeom prst="rect">
+            <a:avLst/>
+          </a:prstGeom>
+          <a:ln w="38100">
+            <a:solidFill>
+              <a:schemeClr val="accent5"/>
+            </a:solidFill>
+          </a:ln>
+        </p:spPr>
+        <p:txBody>
+          <a:bodyPr wrap="square" rtlCol="0" anchor="ctr">
+            <a:spAutoFit/>
+          </a:bodyPr>
+          <a:lstStyle/>
+          <a:p>
+            <a:pPr algn="ctr"/>
+            <a:r>
+              <a:rPr kumimoji="1" lang="ja-JP" altLang="en-US" sz="2000" dirty="0" smtClean="0">
+                <a:latin typeface="メイリオ" panose="020B0604030504040204" pitchFamily="50" charset="-128"/>
+                <a:ea typeface="メイリオ" panose="020B0604030504040204" pitchFamily="50" charset="-128"/>
+              </a:rPr>
+              <a:t>会議リソース</a:t>
+            </a:r>
+            <a:endParaRPr kumimoji="1" lang="ja-JP" altLang="en-US" sz="2000" dirty="0">
+              <a:latin typeface="メイリオ" panose="020B0604030504040204" pitchFamily="50" charset="-128"/>
+              <a:ea typeface="メイリオ" panose="020B0604030504040204" pitchFamily="50" charset="-128"/>
+            </a:endParaRPr>
+          </a:p>
+        </p:txBody>
+      </p:sp>
+      <p:sp>
+        <p:nvSpPr>
+          <p:cNvPr id="22" name="二等辺三角形 21"/>
+          <p:cNvSpPr/>
+          <p:nvPr/>
+        </p:nvSpPr>
+        <p:spPr>
+          <a:xfrm rot="5400000">
+            <a:off x="3008121" y="4244539"/>
+            <a:ext cx="889000" cy="295654"/>
+          </a:xfrm>
+          <a:prstGeom prst="triangle">
+            <a:avLst/>
+          </a:prstGeom>
+        </p:spPr>
+        <p:style>
+          <a:lnRef idx="2">
+            <a:schemeClr val="dk1"/>
+          </a:lnRef>
+          <a:fillRef idx="1">
+            <a:schemeClr val="lt1"/>
+          </a:fillRef>
+          <a:effectRef idx="0">
+            <a:schemeClr val="dk1"/>
+          </a:effectRef>
+          <a:fontRef idx="minor">
+            <a:schemeClr val="dk1"/>
+          </a:fontRef>
+        </p:style>
+        <p:txBody>
+          <a:bodyPr wrap="square" rtlCol="0" anchor="ctr">
+            <a:spAutoFit/>
+          </a:bodyPr>
+          <a:lstStyle/>
+          <a:p>
+            <a:pPr algn="ctr"/>
+            <a:endParaRPr kumimoji="1" lang="ja-JP" altLang="en-US" sz="2000" dirty="0">
+              <a:latin typeface="メイリオ" panose="020B0604030504040204" pitchFamily="50" charset="-128"/>
+              <a:ea typeface="メイリオ" panose="020B0604030504040204" pitchFamily="50" charset="-128"/>
+            </a:endParaRPr>
+          </a:p>
+        </p:txBody>
+      </p:sp>
+      <p:sp>
+        <p:nvSpPr>
+          <p:cNvPr id="23" name="二等辺三角形 22"/>
+          <p:cNvSpPr/>
+          <p:nvPr/>
+        </p:nvSpPr>
+        <p:spPr>
+          <a:xfrm rot="5400000">
+            <a:off x="5717115" y="4244539"/>
+            <a:ext cx="889000" cy="295654"/>
+          </a:xfrm>
+          <a:prstGeom prst="triangle">
+            <a:avLst/>
+          </a:prstGeom>
+        </p:spPr>
+        <p:style>
+          <a:lnRef idx="2">
+            <a:schemeClr val="dk1"/>
+          </a:lnRef>
+          <a:fillRef idx="1">
+            <a:schemeClr val="lt1"/>
+          </a:fillRef>
+          <a:effectRef idx="0">
+            <a:schemeClr val="dk1"/>
+          </a:effectRef>
+          <a:fontRef idx="minor">
+            <a:schemeClr val="dk1"/>
+          </a:fontRef>
+        </p:style>
+        <p:txBody>
+          <a:bodyPr wrap="square" rtlCol="0" anchor="ctr">
+            <a:spAutoFit/>
+          </a:bodyPr>
+          <a:lstStyle/>
+          <a:p>
+            <a:pPr algn="ctr"/>
+            <a:endParaRPr kumimoji="1" lang="ja-JP" altLang="en-US" sz="2000" dirty="0">
+              <a:latin typeface="メイリオ" panose="020B0604030504040204" pitchFamily="50" charset="-128"/>
+              <a:ea typeface="メイリオ" panose="020B0604030504040204" pitchFamily="50" charset="-128"/>
+            </a:endParaRPr>
+          </a:p>
+        </p:txBody>
+      </p:sp>
+      <p:sp>
+        <p:nvSpPr>
+          <p:cNvPr id="24" name="正方形/長方形 23"/>
+          <p:cNvSpPr/>
+          <p:nvPr/>
+        </p:nvSpPr>
+        <p:spPr>
+          <a:xfrm>
+            <a:off x="6512980" y="3845177"/>
+            <a:ext cx="1841501" cy="400110"/>
+          </a:xfrm>
+          <a:prstGeom prst="rect">
+            <a:avLst/>
+          </a:prstGeom>
+          <a:ln w="38100">
+            <a:solidFill>
+              <a:schemeClr val="accent5"/>
+            </a:solidFill>
+          </a:ln>
+        </p:spPr>
+        <p:txBody>
+          <a:bodyPr wrap="square" rtlCol="0" anchor="ctr">
+            <a:spAutoFit/>
+          </a:bodyPr>
+          <a:lstStyle/>
+          <a:p>
+            <a:pPr algn="ctr"/>
+            <a:r>
+              <a:rPr kumimoji="1" lang="ja-JP" altLang="en-US" sz="2000" dirty="0" smtClean="0">
+                <a:latin typeface="メイリオ" panose="020B0604030504040204" pitchFamily="50" charset="-128"/>
+                <a:ea typeface="メイリオ" panose="020B0604030504040204" pitchFamily="50" charset="-128"/>
+              </a:rPr>
+              <a:t>会議室</a:t>
+            </a:r>
+            <a:endParaRPr kumimoji="1" lang="ja-JP" altLang="en-US" sz="2000" dirty="0">
+              <a:latin typeface="メイリオ" panose="020B0604030504040204" pitchFamily="50" charset="-128"/>
+              <a:ea typeface="メイリオ" panose="020B0604030504040204" pitchFamily="50" charset="-128"/>
+            </a:endParaRPr>
+          </a:p>
+        </p:txBody>
+      </p:sp>
+      <p:sp>
+        <p:nvSpPr>
+          <p:cNvPr id="25" name="正方形/長方形 24"/>
+          <p:cNvSpPr/>
+          <p:nvPr/>
+        </p:nvSpPr>
+        <p:spPr>
+          <a:xfrm>
+            <a:off x="6512980" y="4256722"/>
+            <a:ext cx="1841501" cy="707886"/>
+          </a:xfrm>
+          <a:prstGeom prst="rect">
+            <a:avLst/>
+          </a:prstGeom>
+          <a:ln w="38100">
+            <a:solidFill>
+              <a:schemeClr val="accent5"/>
+            </a:solidFill>
+          </a:ln>
+        </p:spPr>
+        <p:txBody>
+          <a:bodyPr wrap="square" rtlCol="0" anchor="ctr">
+            <a:spAutoFit/>
+          </a:bodyPr>
+          <a:lstStyle/>
+          <a:p>
+            <a:pPr algn="ctr"/>
+            <a:r>
+              <a:rPr lang="ja-JP" altLang="en-US" sz="2000" dirty="0" smtClean="0">
+                <a:latin typeface="メイリオ" panose="020B0604030504040204" pitchFamily="50" charset="-128"/>
+                <a:ea typeface="メイリオ" panose="020B0604030504040204" pitchFamily="50" charset="-128"/>
+              </a:rPr>
+              <a:t>オンライン接続情報</a:t>
+            </a:r>
+            <a:endParaRPr kumimoji="1" lang="ja-JP" altLang="en-US" sz="2000" dirty="0">
               <a:latin typeface="メイリオ" panose="020B0604030504040204" pitchFamily="50" charset="-128"/>
               <a:ea typeface="メイリオ" panose="020B0604030504040204" pitchFamily="50" charset="-128"/>
             </a:endParaRPr>
